--- a/docs/diagrams/LogicComponentClassDiagram.pptx
+++ b/docs/diagrams/LogicComponentClassDiagram.pptx
@@ -126,10 +126,6 @@
 </p:presentation>
 </file>
 
-<file path=ppt/revisionInfo.xml><?xml version="1.0" encoding="utf-8"?>
-<p1510:revInfo xmlns:a="http://schemas.openxmlformats.org/drawingml/2006/main" xmlns:r="http://schemas.openxmlformats.org/officeDocument/2006/relationships" xmlns:p1510="http://schemas.microsoft.com/office/powerpoint/2015/10/main"/>
-</file>
-
 <file path=ppt/notesMasters/notesMaster1.xml><?xml version="1.0" encoding="utf-8"?>
 <p:notesMaster xmlns:a="http://schemas.openxmlformats.org/drawingml/2006/main" xmlns:r="http://schemas.openxmlformats.org/officeDocument/2006/relationships" xmlns:p="http://schemas.openxmlformats.org/presentationml/2006/main">
   <p:cSld>
@@ -212,7 +208,7 @@
           <a:p>
             <a:fld id="{F5CC4B3F-88C1-4FFA-B1B6-F41C21DC6924}" type="datetimeFigureOut">
               <a:rPr lang="en-US" smtClean="0"/>
-              <a:t>4/16/2018</a:t>
+              <a:t>4/14/2019</a:t>
             </a:fld>
             <a:endParaRPr lang="en-US"/>
           </a:p>
@@ -658,7 +654,7 @@
           <a:p>
             <a:fld id="{78C97017-6FC3-485B-9764-EAC9E56C1D49}" type="datetimeFigureOut">
               <a:rPr lang="en-US" smtClean="0"/>
-              <a:t>4/16/2018</a:t>
+              <a:t>4/14/2019</a:t>
             </a:fld>
             <a:endParaRPr lang="en-US"/>
           </a:p>
@@ -826,7 +822,7 @@
           <a:p>
             <a:fld id="{78C97017-6FC3-485B-9764-EAC9E56C1D49}" type="datetimeFigureOut">
               <a:rPr lang="en-US" smtClean="0"/>
-              <a:t>4/16/2018</a:t>
+              <a:t>4/14/2019</a:t>
             </a:fld>
             <a:endParaRPr lang="en-US"/>
           </a:p>
@@ -1004,7 +1000,7 @@
           <a:p>
             <a:fld id="{78C97017-6FC3-485B-9764-EAC9E56C1D49}" type="datetimeFigureOut">
               <a:rPr lang="en-US" smtClean="0"/>
-              <a:t>4/16/2018</a:t>
+              <a:t>4/14/2019</a:t>
             </a:fld>
             <a:endParaRPr lang="en-US"/>
           </a:p>
@@ -1172,7 +1168,7 @@
           <a:p>
             <a:fld id="{78C97017-6FC3-485B-9764-EAC9E56C1D49}" type="datetimeFigureOut">
               <a:rPr lang="en-US" smtClean="0"/>
-              <a:t>4/16/2018</a:t>
+              <a:t>4/14/2019</a:t>
             </a:fld>
             <a:endParaRPr lang="en-US"/>
           </a:p>
@@ -1417,7 +1413,7 @@
           <a:p>
             <a:fld id="{78C97017-6FC3-485B-9764-EAC9E56C1D49}" type="datetimeFigureOut">
               <a:rPr lang="en-US" smtClean="0"/>
-              <a:t>4/16/2018</a:t>
+              <a:t>4/14/2019</a:t>
             </a:fld>
             <a:endParaRPr lang="en-US"/>
           </a:p>
@@ -1702,7 +1698,7 @@
           <a:p>
             <a:fld id="{78C97017-6FC3-485B-9764-EAC9E56C1D49}" type="datetimeFigureOut">
               <a:rPr lang="en-US" smtClean="0"/>
-              <a:t>4/16/2018</a:t>
+              <a:t>4/14/2019</a:t>
             </a:fld>
             <a:endParaRPr lang="en-US"/>
           </a:p>
@@ -2121,7 +2117,7 @@
           <a:p>
             <a:fld id="{78C97017-6FC3-485B-9764-EAC9E56C1D49}" type="datetimeFigureOut">
               <a:rPr lang="en-US" smtClean="0"/>
-              <a:t>4/16/2018</a:t>
+              <a:t>4/14/2019</a:t>
             </a:fld>
             <a:endParaRPr lang="en-US"/>
           </a:p>
@@ -2238,7 +2234,7 @@
           <a:p>
             <a:fld id="{78C97017-6FC3-485B-9764-EAC9E56C1D49}" type="datetimeFigureOut">
               <a:rPr lang="en-US" smtClean="0"/>
-              <a:t>4/16/2018</a:t>
+              <a:t>4/14/2019</a:t>
             </a:fld>
             <a:endParaRPr lang="en-US"/>
           </a:p>
@@ -2333,7 +2329,7 @@
           <a:p>
             <a:fld id="{78C97017-6FC3-485B-9764-EAC9E56C1D49}" type="datetimeFigureOut">
               <a:rPr lang="en-US" smtClean="0"/>
-              <a:t>4/16/2018</a:t>
+              <a:t>4/14/2019</a:t>
             </a:fld>
             <a:endParaRPr lang="en-US"/>
           </a:p>
@@ -2608,7 +2604,7 @@
           <a:p>
             <a:fld id="{78C97017-6FC3-485B-9764-EAC9E56C1D49}" type="datetimeFigureOut">
               <a:rPr lang="en-US" smtClean="0"/>
-              <a:t>4/16/2018</a:t>
+              <a:t>4/14/2019</a:t>
             </a:fld>
             <a:endParaRPr lang="en-US"/>
           </a:p>
@@ -2860,7 +2856,7 @@
           <a:p>
             <a:fld id="{78C97017-6FC3-485B-9764-EAC9E56C1D49}" type="datetimeFigureOut">
               <a:rPr lang="en-US" smtClean="0"/>
-              <a:t>4/16/2018</a:t>
+              <a:t>4/14/2019</a:t>
             </a:fld>
             <a:endParaRPr lang="en-US"/>
           </a:p>
@@ -3071,7 +3067,7 @@
           <a:p>
             <a:fld id="{78C97017-6FC3-485B-9764-EAC9E56C1D49}" type="datetimeFigureOut">
               <a:rPr lang="en-US" smtClean="0"/>
-              <a:t>4/16/2018</a:t>
+              <a:t>4/14/2019</a:t>
             </a:fld>
             <a:endParaRPr lang="en-US"/>
           </a:p>
@@ -3454,8 +3450,8 @@
         </p:nvSpPr>
         <p:spPr>
           <a:xfrm>
-            <a:off x="1066800" y="914400"/>
-            <a:ext cx="7084740" cy="3733800"/>
+            <a:off x="764045" y="753017"/>
+            <a:ext cx="8226179" cy="5032462"/>
           </a:xfrm>
           <a:prstGeom prst="roundRect">
             <a:avLst>
@@ -3515,7 +3511,7 @@
         </p:nvSpPr>
         <p:spPr>
           <a:xfrm>
-            <a:off x="2095948" y="1253067"/>
+            <a:off x="1813152" y="1188881"/>
             <a:ext cx="1093635" cy="346760"/>
           </a:xfrm>
           <a:prstGeom prst="rect">
@@ -3574,7 +3570,7 @@
         </p:nvSpPr>
         <p:spPr>
           <a:xfrm flipH="1">
-            <a:off x="6878274" y="2740152"/>
+            <a:off x="6595478" y="2675966"/>
             <a:ext cx="970326" cy="346760"/>
           </a:xfrm>
           <a:prstGeom prst="rect">
@@ -3607,7 +3603,7 @@
           <a:p>
             <a:pPr algn="ctr"/>
             <a:r>
-              <a:rPr lang="en-US" sz="1050" b="1" dirty="0" err="1" smtClean="0">
+              <a:rPr lang="en-US" sz="1050" b="1" dirty="0" err="1">
                 <a:solidFill>
                   <a:srgbClr val="0070C0"/>
                 </a:solidFill>
@@ -3630,7 +3626,7 @@
         </p:nvSpPr>
         <p:spPr>
           <a:xfrm>
-            <a:off x="1782495" y="3583530"/>
+            <a:off x="1499699" y="3519344"/>
             <a:ext cx="1093635" cy="346760"/>
           </a:xfrm>
           <a:prstGeom prst="rect">
@@ -3685,14 +3681,13 @@
         <p:nvCxnSpPr>
           <p:cNvPr id="6" name="Elbow Connector 63"/>
           <p:cNvCxnSpPr>
-            <a:stCxn id="12" idx="3"/>
-            <a:endCxn id="3" idx="3"/>
+            <a:cxnSpLocks/>
           </p:cNvCxnSpPr>
           <p:nvPr/>
         </p:nvCxnSpPr>
         <p:spPr>
           <a:xfrm flipH="1" flipV="1">
-            <a:off x="3189583" y="1426447"/>
+            <a:off x="2906912" y="1294175"/>
             <a:ext cx="4559332" cy="2895973"/>
           </a:xfrm>
           <a:prstGeom prst="bentConnector3">
@@ -3735,7 +3730,7 @@
         </p:nvCxnSpPr>
         <p:spPr>
           <a:xfrm>
-            <a:off x="1676400" y="1423587"/>
+            <a:off x="1393604" y="1359401"/>
             <a:ext cx="419548" cy="2860"/>
           </a:xfrm>
           <a:prstGeom prst="bentConnector3">
@@ -3776,7 +3771,7 @@
         </p:nvSpPr>
         <p:spPr>
           <a:xfrm>
-            <a:off x="1103085" y="4777355"/>
+            <a:off x="1046842" y="6017160"/>
             <a:ext cx="7050315" cy="328045"/>
           </a:xfrm>
           <a:prstGeom prst="roundRect">
@@ -3836,7 +3831,7 @@
         </p:nvSpPr>
         <p:spPr>
           <a:xfrm>
-            <a:off x="6976872" y="4149040"/>
+            <a:off x="6694076" y="4084854"/>
             <a:ext cx="772043" cy="346760"/>
           </a:xfrm>
           <a:prstGeom prst="rect">
@@ -3907,8 +3902,8 @@
         </p:nvSpPr>
         <p:spPr>
           <a:xfrm>
-            <a:off x="3255418" y="3554995"/>
-            <a:ext cx="1045323" cy="384497"/>
+            <a:off x="2972622" y="3490809"/>
+            <a:ext cx="1296416" cy="384497"/>
           </a:xfrm>
           <a:prstGeom prst="rect">
             <a:avLst/>
@@ -3939,12 +3934,12 @@
           <a:p>
             <a:pPr algn="ctr"/>
             <a:r>
-              <a:rPr lang="en-US" sz="1050" dirty="0" err="1" smtClean="0">
+              <a:rPr lang="en-US" sz="1050" dirty="0" err="1">
                 <a:solidFill>
                   <a:schemeClr val="bg1"/>
                 </a:solidFill>
               </a:rPr>
-              <a:t>AddressBook</a:t>
+              <a:t>PersonnelDatabase</a:t>
             </a:r>
             <a:endParaRPr lang="en-US" sz="1050" dirty="0">
               <a:solidFill>
@@ -3974,14 +3969,14 @@
         <p:nvCxnSpPr>
           <p:cNvPr id="18" name="Straight Arrow Connector 110"/>
           <p:cNvCxnSpPr>
-            <a:stCxn id="12" idx="2"/>
+            <a:cxnSpLocks/>
           </p:cNvCxnSpPr>
           <p:nvPr/>
         </p:nvCxnSpPr>
         <p:spPr>
           <a:xfrm>
-            <a:off x="7362894" y="4495800"/>
-            <a:ext cx="0" cy="281555"/>
+            <a:off x="6803804" y="4431614"/>
+            <a:ext cx="0" cy="1585546"/>
           </a:xfrm>
           <a:prstGeom prst="straightConnector1">
             <a:avLst/>
@@ -4019,7 +4014,7 @@
         </p:nvSpPr>
         <p:spPr>
           <a:xfrm rot="16200000">
-            <a:off x="398120" y="2150720"/>
+            <a:off x="115324" y="2086534"/>
             <a:ext cx="2209800" cy="346760"/>
           </a:xfrm>
           <a:prstGeom prst="rect">
@@ -4089,7 +4084,7 @@
         </p:nvSpPr>
         <p:spPr>
           <a:xfrm>
-            <a:off x="1359039" y="3429000"/>
+            <a:off x="1076243" y="3364814"/>
             <a:ext cx="270504" cy="175523"/>
           </a:xfrm>
           <a:prstGeom prst="triangle">
@@ -4146,7 +4141,7 @@
         </p:nvCxnSpPr>
         <p:spPr>
           <a:xfrm rot="10800000">
-            <a:off x="1494291" y="3604524"/>
+            <a:off x="1211495" y="3540338"/>
             <a:ext cx="288204" cy="152387"/>
           </a:xfrm>
           <a:prstGeom prst="bentConnector2">
@@ -4181,14 +4176,15 @@
         <p:nvCxnSpPr>
           <p:cNvPr id="23" name="Straight Arrow Connector 57"/>
           <p:cNvCxnSpPr>
+            <a:cxnSpLocks/>
             <a:stCxn id="5" idx="2"/>
           </p:cNvCxnSpPr>
           <p:nvPr/>
         </p:nvCxnSpPr>
         <p:spPr>
-          <a:xfrm>
-            <a:off x="2329313" y="3930290"/>
-            <a:ext cx="1376" cy="854841"/>
+          <a:xfrm flipH="1">
+            <a:off x="2042179" y="3866104"/>
+            <a:ext cx="4338" cy="2151056"/>
           </a:xfrm>
           <a:prstGeom prst="straightConnector1">
             <a:avLst/>
@@ -4225,7 +4221,7 @@
         </p:nvCxnSpPr>
         <p:spPr>
           <a:xfrm>
-            <a:off x="893311" y="2832505"/>
+            <a:off x="610515" y="2768319"/>
             <a:ext cx="419548" cy="2860"/>
           </a:xfrm>
           <a:prstGeom prst="bentConnector3">
@@ -4270,7 +4266,7 @@
         </p:nvCxnSpPr>
         <p:spPr>
           <a:xfrm>
-            <a:off x="2281833" y="3939492"/>
+            <a:off x="1999037" y="3875306"/>
             <a:ext cx="4695039" cy="382928"/>
           </a:xfrm>
           <a:prstGeom prst="bentConnector3">
@@ -4311,7 +4307,7 @@
         </p:nvGrpSpPr>
         <p:grpSpPr>
           <a:xfrm>
-            <a:off x="4597400" y="4341168"/>
+            <a:off x="4314604" y="4276982"/>
             <a:ext cx="889000" cy="230832"/>
             <a:chOff x="2895600" y="807932"/>
             <a:chExt cx="889000" cy="230832"/>
@@ -4411,7 +4407,7 @@
         </p:nvGrpSpPr>
         <p:grpSpPr>
           <a:xfrm>
-            <a:off x="4665110" y="1219200"/>
+            <a:off x="4382314" y="1155014"/>
             <a:ext cx="868568" cy="230832"/>
             <a:chOff x="2755838" y="789460"/>
             <a:chExt cx="868568" cy="230832"/>
@@ -4510,7 +4506,7 @@
         </p:nvSpPr>
         <p:spPr>
           <a:xfrm>
-            <a:off x="3048000" y="3733800"/>
+            <a:off x="2765204" y="3669614"/>
             <a:ext cx="131116" cy="230832"/>
           </a:xfrm>
           <a:prstGeom prst="rect">
@@ -4549,7 +4545,7 @@
         </p:nvCxnSpPr>
         <p:spPr>
           <a:xfrm rot="5400000" flipH="1" flipV="1">
-            <a:off x="1193276" y="2601868"/>
+            <a:off x="910480" y="2537682"/>
             <a:ext cx="1969553" cy="2764"/>
           </a:xfrm>
           <a:prstGeom prst="bentConnector3">
@@ -4590,7 +4586,7 @@
         </p:nvSpPr>
         <p:spPr>
           <a:xfrm>
-            <a:off x="3174214" y="1862795"/>
+            <a:off x="2891418" y="1798609"/>
             <a:ext cx="751107" cy="346760"/>
           </a:xfrm>
           <a:prstGeom prst="rect">
@@ -4670,7 +4666,7 @@
         </p:nvSpPr>
         <p:spPr>
           <a:xfrm>
-            <a:off x="2238496" y="2454481"/>
+            <a:off x="1955700" y="2390295"/>
             <a:ext cx="726243" cy="174580"/>
           </a:xfrm>
           <a:prstGeom prst="rect">
@@ -4735,7 +4731,7 @@
         </p:nvSpPr>
         <p:spPr>
           <a:xfrm>
-            <a:off x="3186326" y="2841725"/>
+            <a:off x="2903530" y="2777539"/>
             <a:ext cx="731636" cy="283820"/>
           </a:xfrm>
           <a:prstGeom prst="rect">
@@ -4800,7 +4796,7 @@
         </p:nvSpPr>
         <p:spPr>
           <a:xfrm>
-            <a:off x="3186326" y="3190882"/>
+            <a:off x="2903530" y="3126696"/>
             <a:ext cx="731636" cy="283820"/>
           </a:xfrm>
           <a:prstGeom prst="rect">
@@ -4869,7 +4865,7 @@
         </p:nvCxnSpPr>
         <p:spPr>
           <a:xfrm rot="10800000">
-            <a:off x="2601618" y="2629061"/>
+            <a:off x="2318822" y="2564875"/>
             <a:ext cx="584708" cy="354574"/>
           </a:xfrm>
           <a:prstGeom prst="bentConnector2">
@@ -4915,7 +4911,7 @@
         </p:nvCxnSpPr>
         <p:spPr>
           <a:xfrm rot="10800000" flipV="1">
-            <a:off x="2601618" y="2036175"/>
+            <a:off x="2318822" y="1971989"/>
             <a:ext cx="572596" cy="418306"/>
           </a:xfrm>
           <a:prstGeom prst="bentConnector2">
@@ -4957,7 +4953,7 @@
         </p:nvGrpSpPr>
         <p:grpSpPr>
           <a:xfrm rot="10800000">
-            <a:off x="4687086" y="3784757"/>
+            <a:off x="4404290" y="3720571"/>
             <a:ext cx="555486" cy="254462"/>
             <a:chOff x="3703306" y="644022"/>
             <a:chExt cx="555486" cy="230832"/>
@@ -5062,7 +5058,7 @@
         </p:nvSpPr>
         <p:spPr>
           <a:xfrm flipV="1">
-            <a:off x="7227643" y="3980475"/>
+            <a:off x="6944845" y="3907855"/>
             <a:ext cx="270504" cy="175523"/>
           </a:xfrm>
           <a:prstGeom prst="triangle">
@@ -5119,8 +5115,8 @@
         </p:nvCxnSpPr>
         <p:spPr>
           <a:xfrm rot="5400000" flipH="1" flipV="1">
-            <a:off x="6916385" y="3533423"/>
-            <a:ext cx="893563" cy="542"/>
+            <a:off x="6637805" y="3465019"/>
+            <a:ext cx="885129" cy="544"/>
           </a:xfrm>
           <a:prstGeom prst="bentConnector3">
             <a:avLst>
@@ -5159,7 +5155,7 @@
         </p:nvCxnSpPr>
         <p:spPr>
           <a:xfrm flipV="1">
-            <a:off x="6066328" y="2913532"/>
+            <a:off x="5783532" y="2849346"/>
             <a:ext cx="811946" cy="659"/>
           </a:xfrm>
           <a:prstGeom prst="bentConnector3">
@@ -5202,7 +5198,7 @@
         </p:nvSpPr>
         <p:spPr>
           <a:xfrm>
-            <a:off x="3174214" y="2370131"/>
+            <a:off x="2891418" y="2305945"/>
             <a:ext cx="750156" cy="340758"/>
           </a:xfrm>
           <a:prstGeom prst="rect">
@@ -5281,7 +5277,7 @@
         </p:nvCxnSpPr>
         <p:spPr>
           <a:xfrm rot="10800000" flipV="1">
-            <a:off x="2964740" y="2540509"/>
+            <a:off x="2681944" y="2476323"/>
             <a:ext cx="209475" cy="1261"/>
           </a:xfrm>
           <a:prstGeom prst="bentConnector3">
@@ -5329,7 +5325,7 @@
         </p:nvCxnSpPr>
         <p:spPr>
           <a:xfrm rot="5400000">
-            <a:off x="3469242" y="2289605"/>
+            <a:off x="3186446" y="2225419"/>
             <a:ext cx="160576" cy="476"/>
           </a:xfrm>
           <a:prstGeom prst="bentConnector3">
@@ -5373,7 +5369,7 @@
         </p:nvSpPr>
         <p:spPr>
           <a:xfrm>
-            <a:off x="1295065" y="4183424"/>
+            <a:off x="1012269" y="4119238"/>
             <a:ext cx="805984" cy="346760"/>
           </a:xfrm>
           <a:prstGeom prst="rect">
@@ -5443,7 +5439,7 @@
         </p:nvCxnSpPr>
         <p:spPr>
           <a:xfrm>
-            <a:off x="1971157" y="3939492"/>
+            <a:off x="1688361" y="3875306"/>
             <a:ext cx="2022" cy="240622"/>
           </a:xfrm>
           <a:prstGeom prst="straightConnector1">
@@ -5481,7 +5477,7 @@
         </p:nvSpPr>
         <p:spPr>
           <a:xfrm>
-            <a:off x="1773980" y="4000395"/>
+            <a:off x="1491184" y="3936209"/>
             <a:ext cx="131116" cy="230832"/>
           </a:xfrm>
           <a:prstGeom prst="rect">
@@ -5526,7 +5522,7 @@
         </p:nvSpPr>
         <p:spPr>
           <a:xfrm flipH="1">
-            <a:off x="5067626" y="1981200"/>
+            <a:off x="4784830" y="1917014"/>
             <a:ext cx="998702" cy="346760"/>
           </a:xfrm>
           <a:prstGeom prst="rect">
@@ -5592,7 +5588,7 @@
         </p:nvSpPr>
         <p:spPr>
           <a:xfrm flipH="1">
-            <a:off x="5431725" y="2327960"/>
+            <a:off x="5148929" y="2263774"/>
             <a:ext cx="270504" cy="175523"/>
           </a:xfrm>
           <a:prstGeom prst="triangle">
@@ -5637,7 +5633,7 @@
         </p:nvGrpSpPr>
         <p:grpSpPr>
           <a:xfrm rot="5400000">
-            <a:off x="6371505" y="2788428"/>
+            <a:off x="6088709" y="2724242"/>
             <a:ext cx="222304" cy="598286"/>
             <a:chOff x="3965759" y="592436"/>
             <a:chExt cx="254462" cy="503902"/>
@@ -5742,7 +5738,7 @@
         </p:nvCxnSpPr>
         <p:spPr>
           <a:xfrm>
-            <a:off x="2893971" y="3687139"/>
+            <a:off x="2611175" y="3622953"/>
             <a:ext cx="361447" cy="0"/>
           </a:xfrm>
           <a:prstGeom prst="line">
@@ -5781,7 +5777,7 @@
         </p:nvSpPr>
         <p:spPr>
           <a:xfrm flipH="1">
-            <a:off x="5074342" y="2740811"/>
+            <a:off x="4791546" y="2676625"/>
             <a:ext cx="991986" cy="346760"/>
           </a:xfrm>
           <a:prstGeom prst="rect">
@@ -5815,7 +5811,7 @@
           <a:p>
             <a:pPr algn="ctr"/>
             <a:r>
-              <a:rPr lang="en-US" sz="1050" b="1" dirty="0" err="1" smtClean="0">
+              <a:rPr lang="en-US" sz="1050" b="1" dirty="0" err="1">
                 <a:solidFill>
                   <a:schemeClr val="bg1"/>
                 </a:solidFill>
@@ -5857,7 +5853,7 @@
         </p:nvCxnSpPr>
         <p:spPr>
           <a:xfrm rot="10800000">
-            <a:off x="3917734" y="2058661"/>
+            <a:off x="3634938" y="1994475"/>
             <a:ext cx="1156608" cy="855530"/>
           </a:xfrm>
           <a:prstGeom prst="bentConnector3">
@@ -5904,7 +5900,7 @@
         </p:nvCxnSpPr>
         <p:spPr>
           <a:xfrm rot="10800000">
-            <a:off x="3921964" y="2540511"/>
+            <a:off x="3639168" y="2476325"/>
             <a:ext cx="1152379" cy="373681"/>
           </a:xfrm>
           <a:prstGeom prst="bentConnector3">
@@ -5951,7 +5947,7 @@
         </p:nvCxnSpPr>
         <p:spPr>
           <a:xfrm rot="10800000" flipV="1">
-            <a:off x="3926192" y="2914191"/>
+            <a:off x="3643396" y="2850005"/>
             <a:ext cx="1148150" cy="108168"/>
           </a:xfrm>
           <a:prstGeom prst="bentConnector3">
@@ -5998,7 +5994,7 @@
         </p:nvCxnSpPr>
         <p:spPr>
           <a:xfrm rot="10800000" flipV="1">
-            <a:off x="3930422" y="2914191"/>
+            <a:off x="3647626" y="2850005"/>
             <a:ext cx="1143921" cy="439870"/>
           </a:xfrm>
           <a:prstGeom prst="bentConnector3">
@@ -6038,6 +6034,7 @@
         <p:nvCxnSpPr>
           <p:cNvPr id="51" name="Elbow Connector 50"/>
           <p:cNvCxnSpPr>
+            <a:cxnSpLocks/>
             <a:stCxn id="16" idx="3"/>
             <a:endCxn id="42" idx="2"/>
           </p:cNvCxnSpPr>
@@ -6045,8 +6042,8 @@
         </p:nvCxnSpPr>
         <p:spPr>
           <a:xfrm flipV="1">
-            <a:off x="4300741" y="3087571"/>
-            <a:ext cx="1269594" cy="659673"/>
+            <a:off x="4269038" y="3023385"/>
+            <a:ext cx="1018501" cy="659673"/>
           </a:xfrm>
           <a:prstGeom prst="bentConnector2">
             <a:avLst/>
@@ -6088,7 +6085,7 @@
         </p:nvCxnSpPr>
         <p:spPr>
           <a:xfrm rot="16200000" flipH="1">
-            <a:off x="5451193" y="2621669"/>
+            <a:off x="5168397" y="2557483"/>
             <a:ext cx="234926" cy="3358"/>
           </a:xfrm>
           <a:prstGeom prst="bentConnector3">
@@ -6126,7 +6123,7 @@
         </p:nvSpPr>
         <p:spPr>
           <a:xfrm>
-            <a:off x="6263130" y="1981200"/>
+            <a:off x="5980334" y="1917014"/>
             <a:ext cx="1276614" cy="630473"/>
           </a:xfrm>
           <a:prstGeom prst="foldedCorner">
@@ -6165,7 +6162,7 @@
           <a:p>
             <a:pPr algn="ctr"/>
             <a:r>
-              <a:rPr lang="en-US" sz="1050" dirty="0" err="1" smtClean="0">
+              <a:rPr lang="en-US" sz="1050" dirty="0" err="1">
                 <a:solidFill>
                   <a:schemeClr val="bg1"/>
                 </a:solidFill>
@@ -6173,7 +6170,7 @@
               <a:t>XYZCommand</a:t>
             </a:r>
             <a:r>
-              <a:rPr lang="en-US" sz="1050" dirty="0" smtClean="0">
+              <a:rPr lang="en-US" sz="1050" dirty="0">
                 <a:solidFill>
                   <a:schemeClr val="bg1"/>
                 </a:solidFill>
@@ -6181,7 +6178,7 @@
               <a:t> = </a:t>
             </a:r>
             <a:r>
-              <a:rPr lang="en-US" sz="1050" dirty="0" err="1" smtClean="0">
+              <a:rPr lang="en-US" sz="1050" dirty="0" err="1">
                 <a:solidFill>
                   <a:schemeClr val="bg1"/>
                 </a:solidFill>
@@ -6189,7 +6186,7 @@
               <a:t>AddCommand</a:t>
             </a:r>
             <a:r>
-              <a:rPr lang="en-US" sz="1050" dirty="0" smtClean="0">
+              <a:rPr lang="en-US" sz="1050" dirty="0">
                 <a:solidFill>
                   <a:schemeClr val="bg1"/>
                 </a:solidFill>
@@ -6197,7 +6194,7 @@
               <a:t>, </a:t>
             </a:r>
             <a:r>
-              <a:rPr lang="en-US" sz="1050" dirty="0" err="1" smtClean="0">
+              <a:rPr lang="en-US" sz="1050" dirty="0" err="1">
                 <a:solidFill>
                   <a:schemeClr val="bg1"/>
                 </a:solidFill>
@@ -6205,14 +6202,85 @@
               <a:t>FindCommand</a:t>
             </a:r>
             <a:r>
-              <a:rPr lang="en-US" sz="1050" dirty="0" smtClean="0">
+              <a:rPr lang="en-US" sz="1050" dirty="0">
                 <a:solidFill>
                   <a:schemeClr val="bg1"/>
                 </a:solidFill>
               </a:rPr>
               <a:t>, etc.</a:t>
             </a:r>
-            <a:endParaRPr lang="en-US" sz="1050" dirty="0">
+          </a:p>
+        </p:txBody>
+      </p:sp>
+      <p:sp>
+        <p:nvSpPr>
+          <p:cNvPr id="90" name="Rectangle 62">
+            <a:extLst>
+              <a:ext uri="{FF2B5EF4-FFF2-40B4-BE49-F238E27FC236}">
+                <a16:creationId xmlns:a16="http://schemas.microsoft.com/office/drawing/2014/main" id="{6F4AEE2F-E23A-4044-8B50-112DDA89578B}"/>
+              </a:ext>
+            </a:extLst>
+          </p:cNvPr>
+          <p:cNvSpPr/>
+          <p:nvPr/>
+        </p:nvSpPr>
+        <p:spPr>
+          <a:xfrm rot="5400000">
+            <a:off x="7854163" y="4757813"/>
+            <a:ext cx="1195030" cy="346760"/>
+          </a:xfrm>
+          <a:prstGeom prst="rect">
+            <a:avLst/>
+          </a:prstGeom>
+          <a:solidFill>
+            <a:srgbClr val="0070C0"/>
+          </a:solidFill>
+          <a:ln w="19050">
+            <a:solidFill>
+              <a:srgbClr val="0070C0"/>
+            </a:solidFill>
+          </a:ln>
+          <a:effectLst/>
+        </p:spPr>
+        <p:style>
+          <a:lnRef idx="1">
+            <a:schemeClr val="accent2"/>
+          </a:lnRef>
+          <a:fillRef idx="2">
+            <a:schemeClr val="accent2"/>
+          </a:fillRef>
+          <a:effectRef idx="1">
+            <a:schemeClr val="accent2"/>
+          </a:effectRef>
+          <a:fontRef idx="minor">
+            <a:schemeClr val="dk1"/>
+          </a:fontRef>
+        </p:style>
+        <p:txBody>
+          <a:bodyPr rtlCol="0" anchor="ctr"/>
+          <a:lstStyle/>
+          <a:p>
+            <a:pPr algn="ctr"/>
+            <a:r>
+              <a:rPr lang="en-US" sz="1050" dirty="0">
+                <a:solidFill>
+                  <a:schemeClr val="bg1"/>
+                </a:solidFill>
+              </a:rPr>
+              <a:t>&lt;&lt;interface&gt;&gt;</a:t>
+            </a:r>
+          </a:p>
+          <a:p>
+            <a:pPr algn="ctr"/>
+            <a:r>
+              <a:rPr lang="en-US" sz="1050" dirty="0" err="1">
+                <a:solidFill>
+                  <a:schemeClr val="bg1"/>
+                </a:solidFill>
+              </a:rPr>
+              <a:t>AdminCommand</a:t>
+            </a:r>
+            <a:endParaRPr lang="en-SG" sz="1050" dirty="0">
               <a:solidFill>
                 <a:schemeClr val="bg1"/>
               </a:solidFill>
@@ -6220,6 +6288,291 @@
           </a:p>
         </p:txBody>
       </p:sp>
+      <p:sp>
+        <p:nvSpPr>
+          <p:cNvPr id="93" name="Rectangle 62">
+            <a:extLst>
+              <a:ext uri="{FF2B5EF4-FFF2-40B4-BE49-F238E27FC236}">
+                <a16:creationId xmlns:a16="http://schemas.microsoft.com/office/drawing/2014/main" id="{0E9FEF2C-12CE-4C70-B268-C14C9EA8E606}"/>
+              </a:ext>
+            </a:extLst>
+          </p:cNvPr>
+          <p:cNvSpPr/>
+          <p:nvPr/>
+        </p:nvSpPr>
+        <p:spPr>
+          <a:xfrm rot="5400000">
+            <a:off x="7854163" y="3136960"/>
+            <a:ext cx="1195030" cy="346760"/>
+          </a:xfrm>
+          <a:prstGeom prst="rect">
+            <a:avLst/>
+          </a:prstGeom>
+          <a:solidFill>
+            <a:srgbClr val="0070C0"/>
+          </a:solidFill>
+          <a:ln w="19050">
+            <a:solidFill>
+              <a:srgbClr val="0070C0"/>
+            </a:solidFill>
+          </a:ln>
+          <a:effectLst/>
+        </p:spPr>
+        <p:style>
+          <a:lnRef idx="1">
+            <a:schemeClr val="accent2"/>
+          </a:lnRef>
+          <a:fillRef idx="2">
+            <a:schemeClr val="accent2"/>
+          </a:fillRef>
+          <a:effectRef idx="1">
+            <a:schemeClr val="accent2"/>
+          </a:effectRef>
+          <a:fontRef idx="minor">
+            <a:schemeClr val="dk1"/>
+          </a:fontRef>
+        </p:style>
+        <p:txBody>
+          <a:bodyPr rtlCol="0" anchor="ctr"/>
+          <a:lstStyle/>
+          <a:p>
+            <a:pPr algn="ctr"/>
+            <a:r>
+              <a:rPr lang="en-US" sz="1050" dirty="0">
+                <a:solidFill>
+                  <a:schemeClr val="bg1"/>
+                </a:solidFill>
+              </a:rPr>
+              <a:t>&lt;&lt;interface&gt;&gt;</a:t>
+            </a:r>
+          </a:p>
+          <a:p>
+            <a:pPr algn="ctr"/>
+            <a:r>
+              <a:rPr lang="en-US" sz="1050" dirty="0" err="1">
+                <a:solidFill>
+                  <a:schemeClr val="bg1"/>
+                </a:solidFill>
+              </a:rPr>
+              <a:t>GeenralCommand</a:t>
+            </a:r>
+            <a:endParaRPr lang="en-SG" sz="1050" dirty="0">
+              <a:solidFill>
+                <a:schemeClr val="bg1"/>
+              </a:solidFill>
+            </a:endParaRPr>
+          </a:p>
+        </p:txBody>
+      </p:sp>
+      <p:sp>
+        <p:nvSpPr>
+          <p:cNvPr id="105" name="Isosceles Triangle 102">
+            <a:extLst>
+              <a:ext uri="{FF2B5EF4-FFF2-40B4-BE49-F238E27FC236}">
+                <a16:creationId xmlns:a16="http://schemas.microsoft.com/office/drawing/2014/main" id="{ECC9D05C-4690-42BC-87A4-45769CE7667D}"/>
+              </a:ext>
+            </a:extLst>
+          </p:cNvPr>
+          <p:cNvSpPr/>
+          <p:nvPr/>
+        </p:nvSpPr>
+        <p:spPr>
+          <a:xfrm rot="5400000">
+            <a:off x="8061576" y="3222578"/>
+            <a:ext cx="270504" cy="175524"/>
+          </a:xfrm>
+          <a:prstGeom prst="triangle">
+            <a:avLst/>
+          </a:prstGeom>
+          <a:solidFill>
+            <a:schemeClr val="tx2">
+              <a:lumMod val="60000"/>
+              <a:lumOff val="40000"/>
+            </a:schemeClr>
+          </a:solidFill>
+          <a:ln w="19050">
+            <a:solidFill>
+              <a:srgbClr val="0070C0"/>
+            </a:solidFill>
+          </a:ln>
+          <a:effectLst/>
+        </p:spPr>
+        <p:style>
+          <a:lnRef idx="1">
+            <a:schemeClr val="accent1"/>
+          </a:lnRef>
+          <a:fillRef idx="2">
+            <a:schemeClr val="accent1"/>
+          </a:fillRef>
+          <a:effectRef idx="1">
+            <a:schemeClr val="accent1"/>
+          </a:effectRef>
+          <a:fontRef idx="minor">
+            <a:schemeClr val="dk1"/>
+          </a:fontRef>
+        </p:style>
+        <p:txBody>
+          <a:bodyPr rtlCol="0" anchor="ctr"/>
+          <a:lstStyle/>
+          <a:p>
+            <a:pPr algn="ctr"/>
+            <a:endParaRPr lang="en-SG" sz="1050" b="1" dirty="0">
+              <a:solidFill>
+                <a:srgbClr val="92D050"/>
+              </a:solidFill>
+            </a:endParaRPr>
+          </a:p>
+        </p:txBody>
+      </p:sp>
+      <p:sp>
+        <p:nvSpPr>
+          <p:cNvPr id="106" name="Isosceles Triangle 102">
+            <a:extLst>
+              <a:ext uri="{FF2B5EF4-FFF2-40B4-BE49-F238E27FC236}">
+                <a16:creationId xmlns:a16="http://schemas.microsoft.com/office/drawing/2014/main" id="{A41C900A-7CC4-4D7E-93DD-7E12523F2876}"/>
+              </a:ext>
+            </a:extLst>
+          </p:cNvPr>
+          <p:cNvSpPr/>
+          <p:nvPr/>
+        </p:nvSpPr>
+        <p:spPr>
+          <a:xfrm rot="5400000">
+            <a:off x="8061576" y="4798842"/>
+            <a:ext cx="270504" cy="175524"/>
+          </a:xfrm>
+          <a:prstGeom prst="triangle">
+            <a:avLst/>
+          </a:prstGeom>
+          <a:solidFill>
+            <a:schemeClr val="tx2">
+              <a:lumMod val="60000"/>
+              <a:lumOff val="40000"/>
+            </a:schemeClr>
+          </a:solidFill>
+          <a:ln w="19050">
+            <a:solidFill>
+              <a:srgbClr val="0070C0"/>
+            </a:solidFill>
+          </a:ln>
+          <a:effectLst/>
+        </p:spPr>
+        <p:style>
+          <a:lnRef idx="1">
+            <a:schemeClr val="accent1"/>
+          </a:lnRef>
+          <a:fillRef idx="2">
+            <a:schemeClr val="accent1"/>
+          </a:fillRef>
+          <a:effectRef idx="1">
+            <a:schemeClr val="accent1"/>
+          </a:effectRef>
+          <a:fontRef idx="minor">
+            <a:schemeClr val="dk1"/>
+          </a:fontRef>
+        </p:style>
+        <p:txBody>
+          <a:bodyPr rtlCol="0" anchor="ctr"/>
+          <a:lstStyle/>
+          <a:p>
+            <a:pPr algn="ctr"/>
+            <a:endParaRPr lang="en-SG" sz="1050" b="1">
+              <a:solidFill>
+                <a:srgbClr val="92D050"/>
+              </a:solidFill>
+            </a:endParaRPr>
+          </a:p>
+        </p:txBody>
+      </p:sp>
+      <p:cxnSp>
+        <p:nvCxnSpPr>
+          <p:cNvPr id="114" name="Connector: Elbow 113">
+            <a:extLst>
+              <a:ext uri="{FF2B5EF4-FFF2-40B4-BE49-F238E27FC236}">
+                <a16:creationId xmlns:a16="http://schemas.microsoft.com/office/drawing/2014/main" id="{657B787C-9FCE-42F9-863B-655384F6DE07}"/>
+              </a:ext>
+            </a:extLst>
+          </p:cNvPr>
+          <p:cNvCxnSpPr>
+            <a:cxnSpLocks/>
+            <a:stCxn id="105" idx="3"/>
+            <a:endCxn id="12" idx="3"/>
+          </p:cNvCxnSpPr>
+          <p:nvPr/>
+        </p:nvCxnSpPr>
+        <p:spPr>
+          <a:xfrm rot="10800000" flipV="1">
+            <a:off x="7466120" y="3310340"/>
+            <a:ext cx="642947" cy="947894"/>
+          </a:xfrm>
+          <a:prstGeom prst="bentConnector3">
+            <a:avLst>
+              <a:gd name="adj1" fmla="val 50000"/>
+            </a:avLst>
+          </a:prstGeom>
+          <a:ln w="19050">
+            <a:prstDash val="sysDot"/>
+          </a:ln>
+        </p:spPr>
+        <p:style>
+          <a:lnRef idx="1">
+            <a:schemeClr val="accent1"/>
+          </a:lnRef>
+          <a:fillRef idx="0">
+            <a:schemeClr val="accent1"/>
+          </a:fillRef>
+          <a:effectRef idx="0">
+            <a:schemeClr val="accent1"/>
+          </a:effectRef>
+          <a:fontRef idx="minor">
+            <a:schemeClr val="tx1"/>
+          </a:fontRef>
+        </p:style>
+      </p:cxnSp>
+      <p:cxnSp>
+        <p:nvCxnSpPr>
+          <p:cNvPr id="129" name="Connector: Elbow 128">
+            <a:extLst>
+              <a:ext uri="{FF2B5EF4-FFF2-40B4-BE49-F238E27FC236}">
+                <a16:creationId xmlns:a16="http://schemas.microsoft.com/office/drawing/2014/main" id="{01757EBB-EB4F-4C81-8B08-B18938A6F960}"/>
+              </a:ext>
+            </a:extLst>
+          </p:cNvPr>
+          <p:cNvCxnSpPr>
+            <a:stCxn id="106" idx="3"/>
+            <a:endCxn id="12" idx="3"/>
+          </p:cNvCxnSpPr>
+          <p:nvPr/>
+        </p:nvCxnSpPr>
+        <p:spPr>
+          <a:xfrm rot="10800000">
+            <a:off x="7466120" y="4258234"/>
+            <a:ext cx="642947" cy="628370"/>
+          </a:xfrm>
+          <a:prstGeom prst="bentConnector3">
+            <a:avLst>
+              <a:gd name="adj1" fmla="val 50000"/>
+            </a:avLst>
+          </a:prstGeom>
+          <a:ln w="19050">
+            <a:prstDash val="sysDot"/>
+          </a:ln>
+        </p:spPr>
+        <p:style>
+          <a:lnRef idx="1">
+            <a:schemeClr val="accent1"/>
+          </a:lnRef>
+          <a:fillRef idx="0">
+            <a:schemeClr val="accent1"/>
+          </a:fillRef>
+          <a:effectRef idx="0">
+            <a:schemeClr val="accent1"/>
+          </a:effectRef>
+          <a:fontRef idx="minor">
+            <a:schemeClr val="tx1"/>
+          </a:fontRef>
+        </p:style>
+      </p:cxnSp>
     </p:spTree>
     <p:extLst>
       <p:ext uri="{BB962C8B-B14F-4D97-AF65-F5344CB8AC3E}">
